--- a/ppt 16-9/1425.打美好的仗.pptx
+++ b/ppt 16-9/1425.打美好的仗.pptx
@@ -5,7 +5,7 @@
     <p:sldMasterId id="2147483648" r:id="rId1"/>
   </p:sldMasterIdLst>
   <p:sldIdLst>
-    <p:sldId id="996" r:id="rId2"/>
+    <p:sldId id="997" r:id="rId2"/>
   </p:sldIdLst>
   <p:sldSz cx="12192000" cy="6858000"/>
   <p:notesSz cx="6858000" cy="9144000"/>
@@ -129,7 +129,7 @@
           <p:cNvPr id="2" name="标题 1">
             <a:extLst>
               <a:ext uri="{FF2B5EF4-FFF2-40B4-BE49-F238E27FC236}">
-                <a16:creationId xmlns:a16="http://schemas.microsoft.com/office/drawing/2014/main" id="{96769A44-C176-329F-D6C7-961D0BED7D98}"/>
+                <a16:creationId xmlns:a16="http://schemas.microsoft.com/office/drawing/2014/main" id="{46D9C88C-F897-1710-6C8C-85D376427649}"/>
               </a:ext>
             </a:extLst>
           </p:cNvPr>
@@ -166,7 +166,7 @@
           <p:cNvPr id="3" name="副标题 2">
             <a:extLst>
               <a:ext uri="{FF2B5EF4-FFF2-40B4-BE49-F238E27FC236}">
-                <a16:creationId xmlns:a16="http://schemas.microsoft.com/office/drawing/2014/main" id="{8FF08DFF-886C-5CB2-48C5-D56FD3A444D3}"/>
+                <a16:creationId xmlns:a16="http://schemas.microsoft.com/office/drawing/2014/main" id="{2479F824-03CA-1EAD-E034-476DDED765A9}"/>
               </a:ext>
             </a:extLst>
           </p:cNvPr>
@@ -236,7 +236,7 @@
           <p:cNvPr id="4" name="日期占位符 3">
             <a:extLst>
               <a:ext uri="{FF2B5EF4-FFF2-40B4-BE49-F238E27FC236}">
-                <a16:creationId xmlns:a16="http://schemas.microsoft.com/office/drawing/2014/main" id="{72A08A86-3E14-804A-96BE-2AD4FF962E92}"/>
+                <a16:creationId xmlns:a16="http://schemas.microsoft.com/office/drawing/2014/main" id="{E41122CE-176E-7A67-8DD8-AD31D6FA81A9}"/>
               </a:ext>
             </a:extLst>
           </p:cNvPr>
@@ -252,7 +252,7 @@
           <a:bodyPr/>
           <a:lstStyle/>
           <a:p>
-            <a:fld id="{72B69D69-F2D0-4862-B234-577422B2226A}" type="datetimeFigureOut">
+            <a:fld id="{C49F043D-8804-4C00-96D5-291D0F306867}" type="datetimeFigureOut">
               <a:rPr lang="zh-CN" altLang="en-US" smtClean="0"/>
               <a:t>2024/3/10</a:t>
             </a:fld>
@@ -265,7 +265,7 @@
           <p:cNvPr id="5" name="页脚占位符 4">
             <a:extLst>
               <a:ext uri="{FF2B5EF4-FFF2-40B4-BE49-F238E27FC236}">
-                <a16:creationId xmlns:a16="http://schemas.microsoft.com/office/drawing/2014/main" id="{242D4B6B-BD1A-FDEB-28D3-EA02521624EA}"/>
+                <a16:creationId xmlns:a16="http://schemas.microsoft.com/office/drawing/2014/main" id="{0266E3AC-D588-DD1D-BEB9-F0786476612F}"/>
               </a:ext>
             </a:extLst>
           </p:cNvPr>
@@ -290,7 +290,7 @@
           <p:cNvPr id="6" name="灯片编号占位符 5">
             <a:extLst>
               <a:ext uri="{FF2B5EF4-FFF2-40B4-BE49-F238E27FC236}">
-                <a16:creationId xmlns:a16="http://schemas.microsoft.com/office/drawing/2014/main" id="{938A7AA3-C74F-955C-DDC7-4EF0D71DB862}"/>
+                <a16:creationId xmlns:a16="http://schemas.microsoft.com/office/drawing/2014/main" id="{799A77F3-0D42-BD79-BB1C-04B2F93C98D2}"/>
               </a:ext>
             </a:extLst>
           </p:cNvPr>
@@ -306,7 +306,7 @@
           <a:bodyPr/>
           <a:lstStyle/>
           <a:p>
-            <a:fld id="{E79663EA-03CE-49D8-9315-39280596BF54}" type="slidenum">
+            <a:fld id="{EA8D58C4-D29E-4E79-8ABC-77255A67FE48}" type="slidenum">
               <a:rPr lang="zh-CN" altLang="en-US" smtClean="0"/>
               <a:t>‹#›</a:t>
             </a:fld>
@@ -317,7 +317,7 @@
     </p:spTree>
     <p:extLst>
       <p:ext uri="{BB962C8B-B14F-4D97-AF65-F5344CB8AC3E}">
-        <p14:creationId xmlns:p14="http://schemas.microsoft.com/office/powerpoint/2010/main" val="1109308403"/>
+        <p14:creationId xmlns:p14="http://schemas.microsoft.com/office/powerpoint/2010/main" val="487406179"/>
       </p:ext>
     </p:extLst>
   </p:cSld>
@@ -349,7 +349,7 @@
           <p:cNvPr id="2" name="标题 1">
             <a:extLst>
               <a:ext uri="{FF2B5EF4-FFF2-40B4-BE49-F238E27FC236}">
-                <a16:creationId xmlns:a16="http://schemas.microsoft.com/office/drawing/2014/main" id="{85AE9EB0-A1CA-DEE0-A64B-3ABC7DF17009}"/>
+                <a16:creationId xmlns:a16="http://schemas.microsoft.com/office/drawing/2014/main" id="{D79D4CCC-9EA7-1E2D-1579-1E760B7FEC3E}"/>
               </a:ext>
             </a:extLst>
           </p:cNvPr>
@@ -377,7 +377,7 @@
           <p:cNvPr id="3" name="竖排文字占位符 2">
             <a:extLst>
               <a:ext uri="{FF2B5EF4-FFF2-40B4-BE49-F238E27FC236}">
-                <a16:creationId xmlns:a16="http://schemas.microsoft.com/office/drawing/2014/main" id="{2F2DEAA9-990C-1875-19BF-F6E2E6EB946D}"/>
+                <a16:creationId xmlns:a16="http://schemas.microsoft.com/office/drawing/2014/main" id="{A67FD152-5FB5-7349-9ABA-6C3F00D4CEF2}"/>
               </a:ext>
             </a:extLst>
           </p:cNvPr>
@@ -434,7 +434,7 @@
           <p:cNvPr id="4" name="日期占位符 3">
             <a:extLst>
               <a:ext uri="{FF2B5EF4-FFF2-40B4-BE49-F238E27FC236}">
-                <a16:creationId xmlns:a16="http://schemas.microsoft.com/office/drawing/2014/main" id="{92F68B3E-F723-4DAC-28D7-1873328025FD}"/>
+                <a16:creationId xmlns:a16="http://schemas.microsoft.com/office/drawing/2014/main" id="{F0366367-39FB-B19E-4DB4-07C0AC74FFC9}"/>
               </a:ext>
             </a:extLst>
           </p:cNvPr>
@@ -450,7 +450,7 @@
           <a:bodyPr/>
           <a:lstStyle/>
           <a:p>
-            <a:fld id="{72B69D69-F2D0-4862-B234-577422B2226A}" type="datetimeFigureOut">
+            <a:fld id="{C49F043D-8804-4C00-96D5-291D0F306867}" type="datetimeFigureOut">
               <a:rPr lang="zh-CN" altLang="en-US" smtClean="0"/>
               <a:t>2024/3/10</a:t>
             </a:fld>
@@ -463,7 +463,7 @@
           <p:cNvPr id="5" name="页脚占位符 4">
             <a:extLst>
               <a:ext uri="{FF2B5EF4-FFF2-40B4-BE49-F238E27FC236}">
-                <a16:creationId xmlns:a16="http://schemas.microsoft.com/office/drawing/2014/main" id="{C4D59A9E-9A71-7B92-72FD-AD0E61404C68}"/>
+                <a16:creationId xmlns:a16="http://schemas.microsoft.com/office/drawing/2014/main" id="{A7F8DA19-A29D-9845-A600-A377973ED4B7}"/>
               </a:ext>
             </a:extLst>
           </p:cNvPr>
@@ -488,7 +488,7 @@
           <p:cNvPr id="6" name="灯片编号占位符 5">
             <a:extLst>
               <a:ext uri="{FF2B5EF4-FFF2-40B4-BE49-F238E27FC236}">
-                <a16:creationId xmlns:a16="http://schemas.microsoft.com/office/drawing/2014/main" id="{F66BFF05-17A4-FFFE-AFA7-6ECB413911E1}"/>
+                <a16:creationId xmlns:a16="http://schemas.microsoft.com/office/drawing/2014/main" id="{9926AA66-A6E0-FA27-FB27-160A4B13E76C}"/>
               </a:ext>
             </a:extLst>
           </p:cNvPr>
@@ -504,7 +504,7 @@
           <a:bodyPr/>
           <a:lstStyle/>
           <a:p>
-            <a:fld id="{E79663EA-03CE-49D8-9315-39280596BF54}" type="slidenum">
+            <a:fld id="{EA8D58C4-D29E-4E79-8ABC-77255A67FE48}" type="slidenum">
               <a:rPr lang="zh-CN" altLang="en-US" smtClean="0"/>
               <a:t>‹#›</a:t>
             </a:fld>
@@ -515,7 +515,7 @@
     </p:spTree>
     <p:extLst>
       <p:ext uri="{BB962C8B-B14F-4D97-AF65-F5344CB8AC3E}">
-        <p14:creationId xmlns:p14="http://schemas.microsoft.com/office/powerpoint/2010/main" val="1650336858"/>
+        <p14:creationId xmlns:p14="http://schemas.microsoft.com/office/powerpoint/2010/main" val="2613744755"/>
       </p:ext>
     </p:extLst>
   </p:cSld>
@@ -547,7 +547,7 @@
           <p:cNvPr id="2" name="竖排标题 1">
             <a:extLst>
               <a:ext uri="{FF2B5EF4-FFF2-40B4-BE49-F238E27FC236}">
-                <a16:creationId xmlns:a16="http://schemas.microsoft.com/office/drawing/2014/main" id="{EA8CE677-2799-716C-55AE-FAFBAED10D4D}"/>
+                <a16:creationId xmlns:a16="http://schemas.microsoft.com/office/drawing/2014/main" id="{6CEB4DC9-2D86-CD07-40A5-4C5DFC3E7D50}"/>
               </a:ext>
             </a:extLst>
           </p:cNvPr>
@@ -580,7 +580,7 @@
           <p:cNvPr id="3" name="竖排文字占位符 2">
             <a:extLst>
               <a:ext uri="{FF2B5EF4-FFF2-40B4-BE49-F238E27FC236}">
-                <a16:creationId xmlns:a16="http://schemas.microsoft.com/office/drawing/2014/main" id="{0B9C9192-1E7E-55D4-4777-210B8CFFFAFE}"/>
+                <a16:creationId xmlns:a16="http://schemas.microsoft.com/office/drawing/2014/main" id="{D336239E-699B-6706-CE46-93B7F7200BD9}"/>
               </a:ext>
             </a:extLst>
           </p:cNvPr>
@@ -642,7 +642,7 @@
           <p:cNvPr id="4" name="日期占位符 3">
             <a:extLst>
               <a:ext uri="{FF2B5EF4-FFF2-40B4-BE49-F238E27FC236}">
-                <a16:creationId xmlns:a16="http://schemas.microsoft.com/office/drawing/2014/main" id="{10211022-2C3F-37ED-5D6A-04BE20C6A6DE}"/>
+                <a16:creationId xmlns:a16="http://schemas.microsoft.com/office/drawing/2014/main" id="{274BA6C0-C2E2-1D02-7763-3389982A2CFE}"/>
               </a:ext>
             </a:extLst>
           </p:cNvPr>
@@ -658,7 +658,7 @@
           <a:bodyPr/>
           <a:lstStyle/>
           <a:p>
-            <a:fld id="{72B69D69-F2D0-4862-B234-577422B2226A}" type="datetimeFigureOut">
+            <a:fld id="{C49F043D-8804-4C00-96D5-291D0F306867}" type="datetimeFigureOut">
               <a:rPr lang="zh-CN" altLang="en-US" smtClean="0"/>
               <a:t>2024/3/10</a:t>
             </a:fld>
@@ -671,7 +671,7 @@
           <p:cNvPr id="5" name="页脚占位符 4">
             <a:extLst>
               <a:ext uri="{FF2B5EF4-FFF2-40B4-BE49-F238E27FC236}">
-                <a16:creationId xmlns:a16="http://schemas.microsoft.com/office/drawing/2014/main" id="{11482C04-D363-2E35-3FF5-ABECF7ADBED8}"/>
+                <a16:creationId xmlns:a16="http://schemas.microsoft.com/office/drawing/2014/main" id="{8C955D9D-10D6-8F5C-BFE9-A0BD62A69C52}"/>
               </a:ext>
             </a:extLst>
           </p:cNvPr>
@@ -696,7 +696,7 @@
           <p:cNvPr id="6" name="灯片编号占位符 5">
             <a:extLst>
               <a:ext uri="{FF2B5EF4-FFF2-40B4-BE49-F238E27FC236}">
-                <a16:creationId xmlns:a16="http://schemas.microsoft.com/office/drawing/2014/main" id="{E8292035-5923-8DB7-C7EE-6161F9231592}"/>
+                <a16:creationId xmlns:a16="http://schemas.microsoft.com/office/drawing/2014/main" id="{1FAEFF0F-6F29-A7DA-2D84-34CDFA81D5B6}"/>
               </a:ext>
             </a:extLst>
           </p:cNvPr>
@@ -712,7 +712,7 @@
           <a:bodyPr/>
           <a:lstStyle/>
           <a:p>
-            <a:fld id="{E79663EA-03CE-49D8-9315-39280596BF54}" type="slidenum">
+            <a:fld id="{EA8D58C4-D29E-4E79-8ABC-77255A67FE48}" type="slidenum">
               <a:rPr lang="zh-CN" altLang="en-US" smtClean="0"/>
               <a:t>‹#›</a:t>
             </a:fld>
@@ -723,7 +723,7 @@
     </p:spTree>
     <p:extLst>
       <p:ext uri="{BB962C8B-B14F-4D97-AF65-F5344CB8AC3E}">
-        <p14:creationId xmlns:p14="http://schemas.microsoft.com/office/powerpoint/2010/main" val="1251096173"/>
+        <p14:creationId xmlns:p14="http://schemas.microsoft.com/office/powerpoint/2010/main" val="2774140400"/>
       </p:ext>
     </p:extLst>
   </p:cSld>
@@ -755,7 +755,7 @@
           <p:cNvPr id="2" name="标题 1">
             <a:extLst>
               <a:ext uri="{FF2B5EF4-FFF2-40B4-BE49-F238E27FC236}">
-                <a16:creationId xmlns:a16="http://schemas.microsoft.com/office/drawing/2014/main" id="{6FD7BE73-C15D-817B-76A4-DBF1A0AEF22E}"/>
+                <a16:creationId xmlns:a16="http://schemas.microsoft.com/office/drawing/2014/main" id="{1513278A-1F7A-21AA-1551-CCF4465631B9}"/>
               </a:ext>
             </a:extLst>
           </p:cNvPr>
@@ -783,7 +783,7 @@
           <p:cNvPr id="3" name="内容占位符 2">
             <a:extLst>
               <a:ext uri="{FF2B5EF4-FFF2-40B4-BE49-F238E27FC236}">
-                <a16:creationId xmlns:a16="http://schemas.microsoft.com/office/drawing/2014/main" id="{DA50DCD5-B18C-B1A5-BC6E-0723EA4FD234}"/>
+                <a16:creationId xmlns:a16="http://schemas.microsoft.com/office/drawing/2014/main" id="{E618972D-1D22-B513-377A-015003D42038}"/>
               </a:ext>
             </a:extLst>
           </p:cNvPr>
@@ -840,7 +840,7 @@
           <p:cNvPr id="4" name="日期占位符 3">
             <a:extLst>
               <a:ext uri="{FF2B5EF4-FFF2-40B4-BE49-F238E27FC236}">
-                <a16:creationId xmlns:a16="http://schemas.microsoft.com/office/drawing/2014/main" id="{61E27740-28C4-F3E4-08AC-CD063110C324}"/>
+                <a16:creationId xmlns:a16="http://schemas.microsoft.com/office/drawing/2014/main" id="{3BFC4685-F873-97E6-9D14-9C6955E4419F}"/>
               </a:ext>
             </a:extLst>
           </p:cNvPr>
@@ -856,7 +856,7 @@
           <a:bodyPr/>
           <a:lstStyle/>
           <a:p>
-            <a:fld id="{72B69D69-F2D0-4862-B234-577422B2226A}" type="datetimeFigureOut">
+            <a:fld id="{C49F043D-8804-4C00-96D5-291D0F306867}" type="datetimeFigureOut">
               <a:rPr lang="zh-CN" altLang="en-US" smtClean="0"/>
               <a:t>2024/3/10</a:t>
             </a:fld>
@@ -869,7 +869,7 @@
           <p:cNvPr id="5" name="页脚占位符 4">
             <a:extLst>
               <a:ext uri="{FF2B5EF4-FFF2-40B4-BE49-F238E27FC236}">
-                <a16:creationId xmlns:a16="http://schemas.microsoft.com/office/drawing/2014/main" id="{1872BE63-F0CF-CE14-2567-9ECE0288E2B7}"/>
+                <a16:creationId xmlns:a16="http://schemas.microsoft.com/office/drawing/2014/main" id="{77FD628C-1FBD-1DB8-ED31-3DCCE3FCF15D}"/>
               </a:ext>
             </a:extLst>
           </p:cNvPr>
@@ -894,7 +894,7 @@
           <p:cNvPr id="6" name="灯片编号占位符 5">
             <a:extLst>
               <a:ext uri="{FF2B5EF4-FFF2-40B4-BE49-F238E27FC236}">
-                <a16:creationId xmlns:a16="http://schemas.microsoft.com/office/drawing/2014/main" id="{019736F9-74C6-5375-3CB7-6F120D2D127C}"/>
+                <a16:creationId xmlns:a16="http://schemas.microsoft.com/office/drawing/2014/main" id="{97CEA182-0F24-D540-4B6E-6D9DD0636CA5}"/>
               </a:ext>
             </a:extLst>
           </p:cNvPr>
@@ -910,7 +910,7 @@
           <a:bodyPr/>
           <a:lstStyle/>
           <a:p>
-            <a:fld id="{E79663EA-03CE-49D8-9315-39280596BF54}" type="slidenum">
+            <a:fld id="{EA8D58C4-D29E-4E79-8ABC-77255A67FE48}" type="slidenum">
               <a:rPr lang="zh-CN" altLang="en-US" smtClean="0"/>
               <a:t>‹#›</a:t>
             </a:fld>
@@ -921,7 +921,7 @@
     </p:spTree>
     <p:extLst>
       <p:ext uri="{BB962C8B-B14F-4D97-AF65-F5344CB8AC3E}">
-        <p14:creationId xmlns:p14="http://schemas.microsoft.com/office/powerpoint/2010/main" val="1026028590"/>
+        <p14:creationId xmlns:p14="http://schemas.microsoft.com/office/powerpoint/2010/main" val="1807878903"/>
       </p:ext>
     </p:extLst>
   </p:cSld>
@@ -953,7 +953,7 @@
           <p:cNvPr id="2" name="标题 1">
             <a:extLst>
               <a:ext uri="{FF2B5EF4-FFF2-40B4-BE49-F238E27FC236}">
-                <a16:creationId xmlns:a16="http://schemas.microsoft.com/office/drawing/2014/main" id="{86A042E0-E0FC-6A4A-732F-BD0BA0610B59}"/>
+                <a16:creationId xmlns:a16="http://schemas.microsoft.com/office/drawing/2014/main" id="{C444A5F1-3891-6DF8-7D79-550B91E63722}"/>
               </a:ext>
             </a:extLst>
           </p:cNvPr>
@@ -990,7 +990,7 @@
           <p:cNvPr id="3" name="文本占位符 2">
             <a:extLst>
               <a:ext uri="{FF2B5EF4-FFF2-40B4-BE49-F238E27FC236}">
-                <a16:creationId xmlns:a16="http://schemas.microsoft.com/office/drawing/2014/main" id="{C04641C9-7613-04E7-1AA6-F70FB23700E0}"/>
+                <a16:creationId xmlns:a16="http://schemas.microsoft.com/office/drawing/2014/main" id="{92F68DCF-1EE5-E175-F1A2-C2F1A8FFF9FD}"/>
               </a:ext>
             </a:extLst>
           </p:cNvPr>
@@ -1115,7 +1115,7 @@
           <p:cNvPr id="4" name="日期占位符 3">
             <a:extLst>
               <a:ext uri="{FF2B5EF4-FFF2-40B4-BE49-F238E27FC236}">
-                <a16:creationId xmlns:a16="http://schemas.microsoft.com/office/drawing/2014/main" id="{477EE051-D5AE-E7EC-0568-94ED832268E1}"/>
+                <a16:creationId xmlns:a16="http://schemas.microsoft.com/office/drawing/2014/main" id="{2A49C1A7-318E-2030-BE26-5B7E2219D1C2}"/>
               </a:ext>
             </a:extLst>
           </p:cNvPr>
@@ -1131,7 +1131,7 @@
           <a:bodyPr/>
           <a:lstStyle/>
           <a:p>
-            <a:fld id="{72B69D69-F2D0-4862-B234-577422B2226A}" type="datetimeFigureOut">
+            <a:fld id="{C49F043D-8804-4C00-96D5-291D0F306867}" type="datetimeFigureOut">
               <a:rPr lang="zh-CN" altLang="en-US" smtClean="0"/>
               <a:t>2024/3/10</a:t>
             </a:fld>
@@ -1144,7 +1144,7 @@
           <p:cNvPr id="5" name="页脚占位符 4">
             <a:extLst>
               <a:ext uri="{FF2B5EF4-FFF2-40B4-BE49-F238E27FC236}">
-                <a16:creationId xmlns:a16="http://schemas.microsoft.com/office/drawing/2014/main" id="{A9410A3C-7E56-67BE-A6E4-830D414E4B67}"/>
+                <a16:creationId xmlns:a16="http://schemas.microsoft.com/office/drawing/2014/main" id="{64889714-1520-1A8A-9518-5D37E59C5178}"/>
               </a:ext>
             </a:extLst>
           </p:cNvPr>
@@ -1169,7 +1169,7 @@
           <p:cNvPr id="6" name="灯片编号占位符 5">
             <a:extLst>
               <a:ext uri="{FF2B5EF4-FFF2-40B4-BE49-F238E27FC236}">
-                <a16:creationId xmlns:a16="http://schemas.microsoft.com/office/drawing/2014/main" id="{8B20217E-496C-61C1-AF51-31996BC63936}"/>
+                <a16:creationId xmlns:a16="http://schemas.microsoft.com/office/drawing/2014/main" id="{797109EA-E67F-B1F6-02F5-1C961784D392}"/>
               </a:ext>
             </a:extLst>
           </p:cNvPr>
@@ -1185,7 +1185,7 @@
           <a:bodyPr/>
           <a:lstStyle/>
           <a:p>
-            <a:fld id="{E79663EA-03CE-49D8-9315-39280596BF54}" type="slidenum">
+            <a:fld id="{EA8D58C4-D29E-4E79-8ABC-77255A67FE48}" type="slidenum">
               <a:rPr lang="zh-CN" altLang="en-US" smtClean="0"/>
               <a:t>‹#›</a:t>
             </a:fld>
@@ -1196,7 +1196,7 @@
     </p:spTree>
     <p:extLst>
       <p:ext uri="{BB962C8B-B14F-4D97-AF65-F5344CB8AC3E}">
-        <p14:creationId xmlns:p14="http://schemas.microsoft.com/office/powerpoint/2010/main" val="3884280686"/>
+        <p14:creationId xmlns:p14="http://schemas.microsoft.com/office/powerpoint/2010/main" val="3467980504"/>
       </p:ext>
     </p:extLst>
   </p:cSld>
@@ -1228,7 +1228,7 @@
           <p:cNvPr id="2" name="标题 1">
             <a:extLst>
               <a:ext uri="{FF2B5EF4-FFF2-40B4-BE49-F238E27FC236}">
-                <a16:creationId xmlns:a16="http://schemas.microsoft.com/office/drawing/2014/main" id="{B5E0897D-B3C7-C8C7-B452-D26DC52FAEA6}"/>
+                <a16:creationId xmlns:a16="http://schemas.microsoft.com/office/drawing/2014/main" id="{6C1402C3-1946-EC13-7A92-9F78E73C1DD7}"/>
               </a:ext>
             </a:extLst>
           </p:cNvPr>
@@ -1256,7 +1256,7 @@
           <p:cNvPr id="3" name="内容占位符 2">
             <a:extLst>
               <a:ext uri="{FF2B5EF4-FFF2-40B4-BE49-F238E27FC236}">
-                <a16:creationId xmlns:a16="http://schemas.microsoft.com/office/drawing/2014/main" id="{5624D4D2-8C5F-006B-CA43-9B8696BE4F1B}"/>
+                <a16:creationId xmlns:a16="http://schemas.microsoft.com/office/drawing/2014/main" id="{765A0AFE-B540-F45D-6517-9B2D4AB8D519}"/>
               </a:ext>
             </a:extLst>
           </p:cNvPr>
@@ -1318,7 +1318,7 @@
           <p:cNvPr id="4" name="内容占位符 3">
             <a:extLst>
               <a:ext uri="{FF2B5EF4-FFF2-40B4-BE49-F238E27FC236}">
-                <a16:creationId xmlns:a16="http://schemas.microsoft.com/office/drawing/2014/main" id="{F06BC5B6-9E30-B1F8-BD87-95E690A14FC3}"/>
+                <a16:creationId xmlns:a16="http://schemas.microsoft.com/office/drawing/2014/main" id="{25FC1207-C611-12F0-5173-568B2E80B6C7}"/>
               </a:ext>
             </a:extLst>
           </p:cNvPr>
@@ -1380,7 +1380,7 @@
           <p:cNvPr id="5" name="日期占位符 4">
             <a:extLst>
               <a:ext uri="{FF2B5EF4-FFF2-40B4-BE49-F238E27FC236}">
-                <a16:creationId xmlns:a16="http://schemas.microsoft.com/office/drawing/2014/main" id="{AD765714-E33C-241E-DB37-9A07C0504B7F}"/>
+                <a16:creationId xmlns:a16="http://schemas.microsoft.com/office/drawing/2014/main" id="{843BE115-C8E4-3F3D-0C85-2BF119513879}"/>
               </a:ext>
             </a:extLst>
           </p:cNvPr>
@@ -1396,7 +1396,7 @@
           <a:bodyPr/>
           <a:lstStyle/>
           <a:p>
-            <a:fld id="{72B69D69-F2D0-4862-B234-577422B2226A}" type="datetimeFigureOut">
+            <a:fld id="{C49F043D-8804-4C00-96D5-291D0F306867}" type="datetimeFigureOut">
               <a:rPr lang="zh-CN" altLang="en-US" smtClean="0"/>
               <a:t>2024/3/10</a:t>
             </a:fld>
@@ -1409,7 +1409,7 @@
           <p:cNvPr id="6" name="页脚占位符 5">
             <a:extLst>
               <a:ext uri="{FF2B5EF4-FFF2-40B4-BE49-F238E27FC236}">
-                <a16:creationId xmlns:a16="http://schemas.microsoft.com/office/drawing/2014/main" id="{A98C99E3-A9E7-159E-F07C-62BCCB5157AF}"/>
+                <a16:creationId xmlns:a16="http://schemas.microsoft.com/office/drawing/2014/main" id="{AE296C15-E2DE-397E-D6EE-E03F353CF47F}"/>
               </a:ext>
             </a:extLst>
           </p:cNvPr>
@@ -1434,7 +1434,7 @@
           <p:cNvPr id="7" name="灯片编号占位符 6">
             <a:extLst>
               <a:ext uri="{FF2B5EF4-FFF2-40B4-BE49-F238E27FC236}">
-                <a16:creationId xmlns:a16="http://schemas.microsoft.com/office/drawing/2014/main" id="{9A82C459-E88E-DA09-DED2-AC8CD6A64254}"/>
+                <a16:creationId xmlns:a16="http://schemas.microsoft.com/office/drawing/2014/main" id="{8214F3AD-326A-77B5-AB63-3D3136469579}"/>
               </a:ext>
             </a:extLst>
           </p:cNvPr>
@@ -1450,7 +1450,7 @@
           <a:bodyPr/>
           <a:lstStyle/>
           <a:p>
-            <a:fld id="{E79663EA-03CE-49D8-9315-39280596BF54}" type="slidenum">
+            <a:fld id="{EA8D58C4-D29E-4E79-8ABC-77255A67FE48}" type="slidenum">
               <a:rPr lang="zh-CN" altLang="en-US" smtClean="0"/>
               <a:t>‹#›</a:t>
             </a:fld>
@@ -1461,7 +1461,7 @@
     </p:spTree>
     <p:extLst>
       <p:ext uri="{BB962C8B-B14F-4D97-AF65-F5344CB8AC3E}">
-        <p14:creationId xmlns:p14="http://schemas.microsoft.com/office/powerpoint/2010/main" val="3923365503"/>
+        <p14:creationId xmlns:p14="http://schemas.microsoft.com/office/powerpoint/2010/main" val="496097703"/>
       </p:ext>
     </p:extLst>
   </p:cSld>
@@ -1493,7 +1493,7 @@
           <p:cNvPr id="2" name="标题 1">
             <a:extLst>
               <a:ext uri="{FF2B5EF4-FFF2-40B4-BE49-F238E27FC236}">
-                <a16:creationId xmlns:a16="http://schemas.microsoft.com/office/drawing/2014/main" id="{E260FE8C-3764-B668-A9A5-2330CBCB6393}"/>
+                <a16:creationId xmlns:a16="http://schemas.microsoft.com/office/drawing/2014/main" id="{17760FD0-971A-B580-067F-6861B1F08D3E}"/>
               </a:ext>
             </a:extLst>
           </p:cNvPr>
@@ -1526,7 +1526,7 @@
           <p:cNvPr id="3" name="文本占位符 2">
             <a:extLst>
               <a:ext uri="{FF2B5EF4-FFF2-40B4-BE49-F238E27FC236}">
-                <a16:creationId xmlns:a16="http://schemas.microsoft.com/office/drawing/2014/main" id="{6A5E053C-C17E-2FDB-9C1A-7ED512A44CA2}"/>
+                <a16:creationId xmlns:a16="http://schemas.microsoft.com/office/drawing/2014/main" id="{D0D5AF83-9A00-3A34-EB47-550A349E5A3D}"/>
               </a:ext>
             </a:extLst>
           </p:cNvPr>
@@ -1597,7 +1597,7 @@
           <p:cNvPr id="4" name="内容占位符 3">
             <a:extLst>
               <a:ext uri="{FF2B5EF4-FFF2-40B4-BE49-F238E27FC236}">
-                <a16:creationId xmlns:a16="http://schemas.microsoft.com/office/drawing/2014/main" id="{C2D2EFB4-845E-99E9-5947-90DB34E9A9CE}"/>
+                <a16:creationId xmlns:a16="http://schemas.microsoft.com/office/drawing/2014/main" id="{1415B8C5-206D-436C-9860-6447036B52F1}"/>
               </a:ext>
             </a:extLst>
           </p:cNvPr>
@@ -1659,7 +1659,7 @@
           <p:cNvPr id="5" name="文本占位符 4">
             <a:extLst>
               <a:ext uri="{FF2B5EF4-FFF2-40B4-BE49-F238E27FC236}">
-                <a16:creationId xmlns:a16="http://schemas.microsoft.com/office/drawing/2014/main" id="{9969E78E-B080-A11F-E839-E48915DDD044}"/>
+                <a16:creationId xmlns:a16="http://schemas.microsoft.com/office/drawing/2014/main" id="{8578AC1C-D589-9CED-A50D-05237D8B40BA}"/>
               </a:ext>
             </a:extLst>
           </p:cNvPr>
@@ -1730,7 +1730,7 @@
           <p:cNvPr id="6" name="内容占位符 5">
             <a:extLst>
               <a:ext uri="{FF2B5EF4-FFF2-40B4-BE49-F238E27FC236}">
-                <a16:creationId xmlns:a16="http://schemas.microsoft.com/office/drawing/2014/main" id="{D02E5CB8-FCBE-8F99-D0E9-4ACDF0E654A1}"/>
+                <a16:creationId xmlns:a16="http://schemas.microsoft.com/office/drawing/2014/main" id="{5666BFF1-091F-EA4A-C035-F0D38C30EB5E}"/>
               </a:ext>
             </a:extLst>
           </p:cNvPr>
@@ -1792,7 +1792,7 @@
           <p:cNvPr id="7" name="日期占位符 6">
             <a:extLst>
               <a:ext uri="{FF2B5EF4-FFF2-40B4-BE49-F238E27FC236}">
-                <a16:creationId xmlns:a16="http://schemas.microsoft.com/office/drawing/2014/main" id="{00763C25-FBD2-3854-AE1B-7BCC3E26AB53}"/>
+                <a16:creationId xmlns:a16="http://schemas.microsoft.com/office/drawing/2014/main" id="{B92363A4-38F8-5C29-75D0-23E1BF5569ED}"/>
               </a:ext>
             </a:extLst>
           </p:cNvPr>
@@ -1808,7 +1808,7 @@
           <a:bodyPr/>
           <a:lstStyle/>
           <a:p>
-            <a:fld id="{72B69D69-F2D0-4862-B234-577422B2226A}" type="datetimeFigureOut">
+            <a:fld id="{C49F043D-8804-4C00-96D5-291D0F306867}" type="datetimeFigureOut">
               <a:rPr lang="zh-CN" altLang="en-US" smtClean="0"/>
               <a:t>2024/3/10</a:t>
             </a:fld>
@@ -1821,7 +1821,7 @@
           <p:cNvPr id="8" name="页脚占位符 7">
             <a:extLst>
               <a:ext uri="{FF2B5EF4-FFF2-40B4-BE49-F238E27FC236}">
-                <a16:creationId xmlns:a16="http://schemas.microsoft.com/office/drawing/2014/main" id="{201D992C-6351-2630-9356-9CAC17B02BEA}"/>
+                <a16:creationId xmlns:a16="http://schemas.microsoft.com/office/drawing/2014/main" id="{2AA828F3-7864-E651-D71D-D4E5BB76CD03}"/>
               </a:ext>
             </a:extLst>
           </p:cNvPr>
@@ -1846,7 +1846,7 @@
           <p:cNvPr id="9" name="灯片编号占位符 8">
             <a:extLst>
               <a:ext uri="{FF2B5EF4-FFF2-40B4-BE49-F238E27FC236}">
-                <a16:creationId xmlns:a16="http://schemas.microsoft.com/office/drawing/2014/main" id="{B5767A7C-EF52-BFF3-25B5-E7FEE327B7B9}"/>
+                <a16:creationId xmlns:a16="http://schemas.microsoft.com/office/drawing/2014/main" id="{66D59F4C-8DF6-4D82-B8AE-C2D11DEF5665}"/>
               </a:ext>
             </a:extLst>
           </p:cNvPr>
@@ -1862,7 +1862,7 @@
           <a:bodyPr/>
           <a:lstStyle/>
           <a:p>
-            <a:fld id="{E79663EA-03CE-49D8-9315-39280596BF54}" type="slidenum">
+            <a:fld id="{EA8D58C4-D29E-4E79-8ABC-77255A67FE48}" type="slidenum">
               <a:rPr lang="zh-CN" altLang="en-US" smtClean="0"/>
               <a:t>‹#›</a:t>
             </a:fld>
@@ -1873,7 +1873,7 @@
     </p:spTree>
     <p:extLst>
       <p:ext uri="{BB962C8B-B14F-4D97-AF65-F5344CB8AC3E}">
-        <p14:creationId xmlns:p14="http://schemas.microsoft.com/office/powerpoint/2010/main" val="627360820"/>
+        <p14:creationId xmlns:p14="http://schemas.microsoft.com/office/powerpoint/2010/main" val="297866247"/>
       </p:ext>
     </p:extLst>
   </p:cSld>
@@ -1905,7 +1905,7 @@
           <p:cNvPr id="2" name="标题 1">
             <a:extLst>
               <a:ext uri="{FF2B5EF4-FFF2-40B4-BE49-F238E27FC236}">
-                <a16:creationId xmlns:a16="http://schemas.microsoft.com/office/drawing/2014/main" id="{6349FEC0-ECCD-6796-5664-363EE3E71440}"/>
+                <a16:creationId xmlns:a16="http://schemas.microsoft.com/office/drawing/2014/main" id="{C21489FA-DF7A-3EC9-2945-98A9E922682E}"/>
               </a:ext>
             </a:extLst>
           </p:cNvPr>
@@ -1933,7 +1933,7 @@
           <p:cNvPr id="3" name="日期占位符 2">
             <a:extLst>
               <a:ext uri="{FF2B5EF4-FFF2-40B4-BE49-F238E27FC236}">
-                <a16:creationId xmlns:a16="http://schemas.microsoft.com/office/drawing/2014/main" id="{92EC798B-13F1-36CE-2C82-9BFC27F7A6C6}"/>
+                <a16:creationId xmlns:a16="http://schemas.microsoft.com/office/drawing/2014/main" id="{1F434817-60D4-F824-F0A5-02226A734E5D}"/>
               </a:ext>
             </a:extLst>
           </p:cNvPr>
@@ -1949,7 +1949,7 @@
           <a:bodyPr/>
           <a:lstStyle/>
           <a:p>
-            <a:fld id="{72B69D69-F2D0-4862-B234-577422B2226A}" type="datetimeFigureOut">
+            <a:fld id="{C49F043D-8804-4C00-96D5-291D0F306867}" type="datetimeFigureOut">
               <a:rPr lang="zh-CN" altLang="en-US" smtClean="0"/>
               <a:t>2024/3/10</a:t>
             </a:fld>
@@ -1962,7 +1962,7 @@
           <p:cNvPr id="4" name="页脚占位符 3">
             <a:extLst>
               <a:ext uri="{FF2B5EF4-FFF2-40B4-BE49-F238E27FC236}">
-                <a16:creationId xmlns:a16="http://schemas.microsoft.com/office/drawing/2014/main" id="{97E7BA91-8D15-0B88-80EA-5F4DD14E4C31}"/>
+                <a16:creationId xmlns:a16="http://schemas.microsoft.com/office/drawing/2014/main" id="{43161762-B29D-8F70-C37F-01C3ABBF2A39}"/>
               </a:ext>
             </a:extLst>
           </p:cNvPr>
@@ -1987,7 +1987,7 @@
           <p:cNvPr id="5" name="灯片编号占位符 4">
             <a:extLst>
               <a:ext uri="{FF2B5EF4-FFF2-40B4-BE49-F238E27FC236}">
-                <a16:creationId xmlns:a16="http://schemas.microsoft.com/office/drawing/2014/main" id="{17E3FE1A-2391-1902-E050-F511527EE92B}"/>
+                <a16:creationId xmlns:a16="http://schemas.microsoft.com/office/drawing/2014/main" id="{D2560723-7C96-E617-9987-46C3DB35A68A}"/>
               </a:ext>
             </a:extLst>
           </p:cNvPr>
@@ -2003,7 +2003,7 @@
           <a:bodyPr/>
           <a:lstStyle/>
           <a:p>
-            <a:fld id="{E79663EA-03CE-49D8-9315-39280596BF54}" type="slidenum">
+            <a:fld id="{EA8D58C4-D29E-4E79-8ABC-77255A67FE48}" type="slidenum">
               <a:rPr lang="zh-CN" altLang="en-US" smtClean="0"/>
               <a:t>‹#›</a:t>
             </a:fld>
@@ -2014,7 +2014,7 @@
     </p:spTree>
     <p:extLst>
       <p:ext uri="{BB962C8B-B14F-4D97-AF65-F5344CB8AC3E}">
-        <p14:creationId xmlns:p14="http://schemas.microsoft.com/office/powerpoint/2010/main" val="3199433333"/>
+        <p14:creationId xmlns:p14="http://schemas.microsoft.com/office/powerpoint/2010/main" val="2977941621"/>
       </p:ext>
     </p:extLst>
   </p:cSld>
@@ -2046,7 +2046,7 @@
           <p:cNvPr id="2" name="日期占位符 1">
             <a:extLst>
               <a:ext uri="{FF2B5EF4-FFF2-40B4-BE49-F238E27FC236}">
-                <a16:creationId xmlns:a16="http://schemas.microsoft.com/office/drawing/2014/main" id="{43BEDA67-18CB-768C-7B4E-5A3D7D39DEC2}"/>
+                <a16:creationId xmlns:a16="http://schemas.microsoft.com/office/drawing/2014/main" id="{585D35CA-C87E-1D62-583A-EF6DB5245F6F}"/>
               </a:ext>
             </a:extLst>
           </p:cNvPr>
@@ -2062,7 +2062,7 @@
           <a:bodyPr/>
           <a:lstStyle/>
           <a:p>
-            <a:fld id="{72B69D69-F2D0-4862-B234-577422B2226A}" type="datetimeFigureOut">
+            <a:fld id="{C49F043D-8804-4C00-96D5-291D0F306867}" type="datetimeFigureOut">
               <a:rPr lang="zh-CN" altLang="en-US" smtClean="0"/>
               <a:t>2024/3/10</a:t>
             </a:fld>
@@ -2075,7 +2075,7 @@
           <p:cNvPr id="3" name="页脚占位符 2">
             <a:extLst>
               <a:ext uri="{FF2B5EF4-FFF2-40B4-BE49-F238E27FC236}">
-                <a16:creationId xmlns:a16="http://schemas.microsoft.com/office/drawing/2014/main" id="{C0F209C0-4230-B90A-01F5-80A823C60E24}"/>
+                <a16:creationId xmlns:a16="http://schemas.microsoft.com/office/drawing/2014/main" id="{BEAFBAB7-0CE8-CAEF-E321-B542AE815B9E}"/>
               </a:ext>
             </a:extLst>
           </p:cNvPr>
@@ -2100,7 +2100,7 @@
           <p:cNvPr id="4" name="灯片编号占位符 3">
             <a:extLst>
               <a:ext uri="{FF2B5EF4-FFF2-40B4-BE49-F238E27FC236}">
-                <a16:creationId xmlns:a16="http://schemas.microsoft.com/office/drawing/2014/main" id="{3FA81736-4A29-9BB8-A732-B41542AAA2E2}"/>
+                <a16:creationId xmlns:a16="http://schemas.microsoft.com/office/drawing/2014/main" id="{A17860A0-93CA-AEDC-2038-BED10BD3F3F4}"/>
               </a:ext>
             </a:extLst>
           </p:cNvPr>
@@ -2116,7 +2116,7 @@
           <a:bodyPr/>
           <a:lstStyle/>
           <a:p>
-            <a:fld id="{E79663EA-03CE-49D8-9315-39280596BF54}" type="slidenum">
+            <a:fld id="{EA8D58C4-D29E-4E79-8ABC-77255A67FE48}" type="slidenum">
               <a:rPr lang="zh-CN" altLang="en-US" smtClean="0"/>
               <a:t>‹#›</a:t>
             </a:fld>
@@ -2127,7 +2127,7 @@
     </p:spTree>
     <p:extLst>
       <p:ext uri="{BB962C8B-B14F-4D97-AF65-F5344CB8AC3E}">
-        <p14:creationId xmlns:p14="http://schemas.microsoft.com/office/powerpoint/2010/main" val="681309271"/>
+        <p14:creationId xmlns:p14="http://schemas.microsoft.com/office/powerpoint/2010/main" val="3310735993"/>
       </p:ext>
     </p:extLst>
   </p:cSld>
@@ -2159,7 +2159,7 @@
           <p:cNvPr id="2" name="标题 1">
             <a:extLst>
               <a:ext uri="{FF2B5EF4-FFF2-40B4-BE49-F238E27FC236}">
-                <a16:creationId xmlns:a16="http://schemas.microsoft.com/office/drawing/2014/main" id="{6589C502-0C1F-5CA4-0D58-96586BFA124C}"/>
+                <a16:creationId xmlns:a16="http://schemas.microsoft.com/office/drawing/2014/main" id="{8F9C4B57-C650-47B0-41F7-4737774EF96A}"/>
               </a:ext>
             </a:extLst>
           </p:cNvPr>
@@ -2196,7 +2196,7 @@
           <p:cNvPr id="3" name="内容占位符 2">
             <a:extLst>
               <a:ext uri="{FF2B5EF4-FFF2-40B4-BE49-F238E27FC236}">
-                <a16:creationId xmlns:a16="http://schemas.microsoft.com/office/drawing/2014/main" id="{AE7203F7-7412-3129-FEEB-14553B985F42}"/>
+                <a16:creationId xmlns:a16="http://schemas.microsoft.com/office/drawing/2014/main" id="{D47AF88B-DB79-B35D-CE37-7439DA63C6EC}"/>
               </a:ext>
             </a:extLst>
           </p:cNvPr>
@@ -2286,7 +2286,7 @@
           <p:cNvPr id="4" name="文本占位符 3">
             <a:extLst>
               <a:ext uri="{FF2B5EF4-FFF2-40B4-BE49-F238E27FC236}">
-                <a16:creationId xmlns:a16="http://schemas.microsoft.com/office/drawing/2014/main" id="{3A0169F7-6950-3F48-DBD0-58E81D0049A1}"/>
+                <a16:creationId xmlns:a16="http://schemas.microsoft.com/office/drawing/2014/main" id="{575CDAAE-E64D-8C11-CA34-B32F1546C157}"/>
               </a:ext>
             </a:extLst>
           </p:cNvPr>
@@ -2357,7 +2357,7 @@
           <p:cNvPr id="5" name="日期占位符 4">
             <a:extLst>
               <a:ext uri="{FF2B5EF4-FFF2-40B4-BE49-F238E27FC236}">
-                <a16:creationId xmlns:a16="http://schemas.microsoft.com/office/drawing/2014/main" id="{B111843F-A592-DA4C-E875-ADF41C81D521}"/>
+                <a16:creationId xmlns:a16="http://schemas.microsoft.com/office/drawing/2014/main" id="{39030A85-2E47-758C-F32A-7588B049C09B}"/>
               </a:ext>
             </a:extLst>
           </p:cNvPr>
@@ -2373,7 +2373,7 @@
           <a:bodyPr/>
           <a:lstStyle/>
           <a:p>
-            <a:fld id="{72B69D69-F2D0-4862-B234-577422B2226A}" type="datetimeFigureOut">
+            <a:fld id="{C49F043D-8804-4C00-96D5-291D0F306867}" type="datetimeFigureOut">
               <a:rPr lang="zh-CN" altLang="en-US" smtClean="0"/>
               <a:t>2024/3/10</a:t>
             </a:fld>
@@ -2386,7 +2386,7 @@
           <p:cNvPr id="6" name="页脚占位符 5">
             <a:extLst>
               <a:ext uri="{FF2B5EF4-FFF2-40B4-BE49-F238E27FC236}">
-                <a16:creationId xmlns:a16="http://schemas.microsoft.com/office/drawing/2014/main" id="{C76DA14B-EF1F-51BD-F04A-A1AEB3A100F5}"/>
+                <a16:creationId xmlns:a16="http://schemas.microsoft.com/office/drawing/2014/main" id="{E371A38F-0F4B-E705-5AE5-A25EC9506DD8}"/>
               </a:ext>
             </a:extLst>
           </p:cNvPr>
@@ -2411,7 +2411,7 @@
           <p:cNvPr id="7" name="灯片编号占位符 6">
             <a:extLst>
               <a:ext uri="{FF2B5EF4-FFF2-40B4-BE49-F238E27FC236}">
-                <a16:creationId xmlns:a16="http://schemas.microsoft.com/office/drawing/2014/main" id="{1E3C2DD9-94B8-3D96-E4B4-C9365ADC559C}"/>
+                <a16:creationId xmlns:a16="http://schemas.microsoft.com/office/drawing/2014/main" id="{B83BBF70-CD54-7F0F-F612-7E388DD15AB1}"/>
               </a:ext>
             </a:extLst>
           </p:cNvPr>
@@ -2427,7 +2427,7 @@
           <a:bodyPr/>
           <a:lstStyle/>
           <a:p>
-            <a:fld id="{E79663EA-03CE-49D8-9315-39280596BF54}" type="slidenum">
+            <a:fld id="{EA8D58C4-D29E-4E79-8ABC-77255A67FE48}" type="slidenum">
               <a:rPr lang="zh-CN" altLang="en-US" smtClean="0"/>
               <a:t>‹#›</a:t>
             </a:fld>
@@ -2438,7 +2438,7 @@
     </p:spTree>
     <p:extLst>
       <p:ext uri="{BB962C8B-B14F-4D97-AF65-F5344CB8AC3E}">
-        <p14:creationId xmlns:p14="http://schemas.microsoft.com/office/powerpoint/2010/main" val="2658519814"/>
+        <p14:creationId xmlns:p14="http://schemas.microsoft.com/office/powerpoint/2010/main" val="4068170250"/>
       </p:ext>
     </p:extLst>
   </p:cSld>
@@ -2470,7 +2470,7 @@
           <p:cNvPr id="2" name="标题 1">
             <a:extLst>
               <a:ext uri="{FF2B5EF4-FFF2-40B4-BE49-F238E27FC236}">
-                <a16:creationId xmlns:a16="http://schemas.microsoft.com/office/drawing/2014/main" id="{202DEE5F-30B1-7A14-BF82-BD5481FBFB54}"/>
+                <a16:creationId xmlns:a16="http://schemas.microsoft.com/office/drawing/2014/main" id="{6BD2B4BD-23DF-39BF-1844-0AFE663F9586}"/>
               </a:ext>
             </a:extLst>
           </p:cNvPr>
@@ -2507,7 +2507,7 @@
           <p:cNvPr id="3" name="图片占位符 2">
             <a:extLst>
               <a:ext uri="{FF2B5EF4-FFF2-40B4-BE49-F238E27FC236}">
-                <a16:creationId xmlns:a16="http://schemas.microsoft.com/office/drawing/2014/main" id="{CBFE4C40-4F6C-3392-5145-8D5D8BD881F7}"/>
+                <a16:creationId xmlns:a16="http://schemas.microsoft.com/office/drawing/2014/main" id="{5785CA33-B7A9-1FD0-DA21-493B8D517899}"/>
               </a:ext>
             </a:extLst>
           </p:cNvPr>
@@ -2574,7 +2574,7 @@
           <p:cNvPr id="4" name="文本占位符 3">
             <a:extLst>
               <a:ext uri="{FF2B5EF4-FFF2-40B4-BE49-F238E27FC236}">
-                <a16:creationId xmlns:a16="http://schemas.microsoft.com/office/drawing/2014/main" id="{E89B785C-6438-0405-47FD-599DF8573733}"/>
+                <a16:creationId xmlns:a16="http://schemas.microsoft.com/office/drawing/2014/main" id="{02E78BE4-7F05-F8B4-128B-E9F30BBC9CB4}"/>
               </a:ext>
             </a:extLst>
           </p:cNvPr>
@@ -2645,7 +2645,7 @@
           <p:cNvPr id="5" name="日期占位符 4">
             <a:extLst>
               <a:ext uri="{FF2B5EF4-FFF2-40B4-BE49-F238E27FC236}">
-                <a16:creationId xmlns:a16="http://schemas.microsoft.com/office/drawing/2014/main" id="{953826A2-651B-3F46-3EC7-52A1B5DD1839}"/>
+                <a16:creationId xmlns:a16="http://schemas.microsoft.com/office/drawing/2014/main" id="{C7F41DEE-CAB5-A45F-8541-EA32B22D3522}"/>
               </a:ext>
             </a:extLst>
           </p:cNvPr>
@@ -2661,7 +2661,7 @@
           <a:bodyPr/>
           <a:lstStyle/>
           <a:p>
-            <a:fld id="{72B69D69-F2D0-4862-B234-577422B2226A}" type="datetimeFigureOut">
+            <a:fld id="{C49F043D-8804-4C00-96D5-291D0F306867}" type="datetimeFigureOut">
               <a:rPr lang="zh-CN" altLang="en-US" smtClean="0"/>
               <a:t>2024/3/10</a:t>
             </a:fld>
@@ -2674,7 +2674,7 @@
           <p:cNvPr id="6" name="页脚占位符 5">
             <a:extLst>
               <a:ext uri="{FF2B5EF4-FFF2-40B4-BE49-F238E27FC236}">
-                <a16:creationId xmlns:a16="http://schemas.microsoft.com/office/drawing/2014/main" id="{5B7825F7-A125-49F5-0B4B-FA0DBC8C639E}"/>
+                <a16:creationId xmlns:a16="http://schemas.microsoft.com/office/drawing/2014/main" id="{7DCF7735-14D4-7C20-2C33-D5367037569D}"/>
               </a:ext>
             </a:extLst>
           </p:cNvPr>
@@ -2699,7 +2699,7 @@
           <p:cNvPr id="7" name="灯片编号占位符 6">
             <a:extLst>
               <a:ext uri="{FF2B5EF4-FFF2-40B4-BE49-F238E27FC236}">
-                <a16:creationId xmlns:a16="http://schemas.microsoft.com/office/drawing/2014/main" id="{8E1EFF7E-2F84-3E53-493A-79D04FFAB09B}"/>
+                <a16:creationId xmlns:a16="http://schemas.microsoft.com/office/drawing/2014/main" id="{C41F9142-BE0E-22AF-B07E-718BF8E52FA1}"/>
               </a:ext>
             </a:extLst>
           </p:cNvPr>
@@ -2715,7 +2715,7 @@
           <a:bodyPr/>
           <a:lstStyle/>
           <a:p>
-            <a:fld id="{E79663EA-03CE-49D8-9315-39280596BF54}" type="slidenum">
+            <a:fld id="{EA8D58C4-D29E-4E79-8ABC-77255A67FE48}" type="slidenum">
               <a:rPr lang="zh-CN" altLang="en-US" smtClean="0"/>
               <a:t>‹#›</a:t>
             </a:fld>
@@ -2726,7 +2726,7 @@
     </p:spTree>
     <p:extLst>
       <p:ext uri="{BB962C8B-B14F-4D97-AF65-F5344CB8AC3E}">
-        <p14:creationId xmlns:p14="http://schemas.microsoft.com/office/powerpoint/2010/main" val="407175529"/>
+        <p14:creationId xmlns:p14="http://schemas.microsoft.com/office/powerpoint/2010/main" val="3941715061"/>
       </p:ext>
     </p:extLst>
   </p:cSld>
@@ -2763,7 +2763,7 @@
           <p:cNvPr id="2" name="标题占位符 1">
             <a:extLst>
               <a:ext uri="{FF2B5EF4-FFF2-40B4-BE49-F238E27FC236}">
-                <a16:creationId xmlns:a16="http://schemas.microsoft.com/office/drawing/2014/main" id="{821C64F5-92C2-E686-43EE-936B57968AFB}"/>
+                <a16:creationId xmlns:a16="http://schemas.microsoft.com/office/drawing/2014/main" id="{45F33D9F-38E5-63FA-E83F-BC5D75CB1BFD}"/>
               </a:ext>
             </a:extLst>
           </p:cNvPr>
@@ -2801,7 +2801,7 @@
           <p:cNvPr id="3" name="文本占位符 2">
             <a:extLst>
               <a:ext uri="{FF2B5EF4-FFF2-40B4-BE49-F238E27FC236}">
-                <a16:creationId xmlns:a16="http://schemas.microsoft.com/office/drawing/2014/main" id="{EE44B5D7-0F01-E30E-4021-F049BB55CE37}"/>
+                <a16:creationId xmlns:a16="http://schemas.microsoft.com/office/drawing/2014/main" id="{4D5BF1E1-9026-BDA6-B83F-71159EB8877F}"/>
               </a:ext>
             </a:extLst>
           </p:cNvPr>
@@ -2868,7 +2868,7 @@
           <p:cNvPr id="4" name="日期占位符 3">
             <a:extLst>
               <a:ext uri="{FF2B5EF4-FFF2-40B4-BE49-F238E27FC236}">
-                <a16:creationId xmlns:a16="http://schemas.microsoft.com/office/drawing/2014/main" id="{E906C038-CF41-43C1-4F9D-CE9A35ADAD18}"/>
+                <a16:creationId xmlns:a16="http://schemas.microsoft.com/office/drawing/2014/main" id="{00D96E94-80FA-64F6-2EAB-6A4F420D8F52}"/>
               </a:ext>
             </a:extLst>
           </p:cNvPr>
@@ -2902,7 +2902,7 @@
             </a:lvl1pPr>
           </a:lstStyle>
           <a:p>
-            <a:fld id="{72B69D69-F2D0-4862-B234-577422B2226A}" type="datetimeFigureOut">
+            <a:fld id="{C49F043D-8804-4C00-96D5-291D0F306867}" type="datetimeFigureOut">
               <a:rPr lang="zh-CN" altLang="en-US" smtClean="0"/>
               <a:t>2024/3/10</a:t>
             </a:fld>
@@ -2915,7 +2915,7 @@
           <p:cNvPr id="5" name="页脚占位符 4">
             <a:extLst>
               <a:ext uri="{FF2B5EF4-FFF2-40B4-BE49-F238E27FC236}">
-                <a16:creationId xmlns:a16="http://schemas.microsoft.com/office/drawing/2014/main" id="{CE08D8D3-972A-D435-C299-E36E794F40F3}"/>
+                <a16:creationId xmlns:a16="http://schemas.microsoft.com/office/drawing/2014/main" id="{08F68C46-E601-78D5-45EF-935AC9BBB0E8}"/>
               </a:ext>
             </a:extLst>
           </p:cNvPr>
@@ -2958,7 +2958,7 @@
           <p:cNvPr id="6" name="灯片编号占位符 5">
             <a:extLst>
               <a:ext uri="{FF2B5EF4-FFF2-40B4-BE49-F238E27FC236}">
-                <a16:creationId xmlns:a16="http://schemas.microsoft.com/office/drawing/2014/main" id="{91B25AFB-B4E5-FBA1-B9B8-2D471A017ADC}"/>
+                <a16:creationId xmlns:a16="http://schemas.microsoft.com/office/drawing/2014/main" id="{0B097499-2433-0F4B-959F-7FA59865243F}"/>
               </a:ext>
             </a:extLst>
           </p:cNvPr>
@@ -2992,7 +2992,7 @@
             </a:lvl1pPr>
           </a:lstStyle>
           <a:p>
-            <a:fld id="{E79663EA-03CE-49D8-9315-39280596BF54}" type="slidenum">
+            <a:fld id="{EA8D58C4-D29E-4E79-8ABC-77255A67FE48}" type="slidenum">
               <a:rPr lang="zh-CN" altLang="en-US" smtClean="0"/>
               <a:t>‹#›</a:t>
             </a:fld>
@@ -3003,7 +3003,7 @@
     </p:spTree>
     <p:extLst>
       <p:ext uri="{BB962C8B-B14F-4D97-AF65-F5344CB8AC3E}">
-        <p14:creationId xmlns:p14="http://schemas.microsoft.com/office/powerpoint/2010/main" val="3736992011"/>
+        <p14:creationId xmlns:p14="http://schemas.microsoft.com/office/powerpoint/2010/main" val="499318644"/>
       </p:ext>
     </p:extLst>
   </p:cSld>
@@ -3323,7 +3323,7 @@
       </p:grpSpPr>
       <p:pic>
         <p:nvPicPr>
-          <p:cNvPr id="1459202" name="Picture 2" descr="1424"/>
+          <p:cNvPr id="1460226" name="Picture 2" descr="1425"/>
           <p:cNvPicPr>
             <a:picLocks noChangeAspect="1" noChangeArrowheads="1"/>
           </p:cNvPicPr>
@@ -3344,8 +3344,8 @@
         </p:blipFill>
         <p:spPr bwMode="auto">
           <a:xfrm>
-            <a:off x="1524000" y="0"/>
-            <a:ext cx="9144000" cy="6858000"/>
+            <a:off x="1524000" y="1"/>
+            <a:ext cx="9144000" cy="4581525"/>
           </a:xfrm>
           <a:prstGeom prst="rect">
             <a:avLst/>
